--- a/Sea beach view from hotel.pptx
+++ b/Sea beach view from hotel.pptx
@@ -232,7 +232,7 @@
           <a:p>
             <a:fld id="{FE5B4EDC-59C0-49C7-8ADA-5A781B329E02}" type="datetimeFigureOut">
               <a:rPr lang="en-US"/>
-              <a:t>4/17/2022</a:t>
+              <a:t>4/19/2022</a:t>
             </a:fld>
             <a:endParaRPr/>
           </a:p>
@@ -397,7 +397,7 @@
           <a:p>
             <a:fld id="{F2D8D46A-B586-417D-BFBD-8C8FE0AAF762}" type="datetimeFigureOut">
               <a:rPr lang="en-US"/>
-              <a:t>4/17/2022</a:t>
+              <a:t>4/19/2022</a:t>
             </a:fld>
             <a:endParaRPr/>
           </a:p>
@@ -1667,7 +1667,7 @@
           <a:p>
             <a:fld id="{F0DFD029-FB74-4578-B929-F66AA97659CA}" type="datetimeFigureOut">
               <a:rPr lang="en-US"/>
-              <a:t>4/17/2022</a:t>
+              <a:t>4/19/2022</a:t>
             </a:fld>
             <a:endParaRPr/>
           </a:p>
@@ -1865,7 +1865,7 @@
           <a:p>
             <a:fld id="{F0DFD029-FB74-4578-B929-F66AA97659CA}" type="datetimeFigureOut">
               <a:rPr lang="en-US"/>
-              <a:t>4/17/2022</a:t>
+              <a:t>4/19/2022</a:t>
             </a:fld>
             <a:endParaRPr/>
           </a:p>
@@ -2073,7 +2073,7 @@
           <a:p>
             <a:fld id="{F0DFD029-FB74-4578-B929-F66AA97659CA}" type="datetimeFigureOut">
               <a:rPr lang="en-US"/>
-              <a:t>4/17/2022</a:t>
+              <a:t>4/19/2022</a:t>
             </a:fld>
             <a:endParaRPr/>
           </a:p>
@@ -2271,7 +2271,7 @@
           <a:p>
             <a:fld id="{F0DFD029-FB74-4578-B929-F66AA97659CA}" type="datetimeFigureOut">
               <a:rPr lang="en-US"/>
-              <a:t>4/17/2022</a:t>
+              <a:t>4/19/2022</a:t>
             </a:fld>
             <a:endParaRPr/>
           </a:p>
@@ -2703,7 +2703,7 @@
           <a:p>
             <a:fld id="{F0DFD029-FB74-4578-B929-F66AA97659CA}" type="datetimeFigureOut">
               <a:rPr lang="en-US"/>
-              <a:t>4/17/2022</a:t>
+              <a:t>4/19/2022</a:t>
             </a:fld>
             <a:endParaRPr/>
           </a:p>
@@ -3007,7 +3007,7 @@
           <a:p>
             <a:fld id="{F0DFD029-FB74-4578-B929-F66AA97659CA}" type="datetimeFigureOut">
               <a:rPr lang="en-US"/>
-              <a:t>4/17/2022</a:t>
+              <a:t>4/19/2022</a:t>
             </a:fld>
             <a:endParaRPr/>
           </a:p>
@@ -3463,7 +3463,7 @@
           <a:p>
             <a:fld id="{F0DFD029-FB74-4578-B929-F66AA97659CA}" type="datetimeFigureOut">
               <a:rPr lang="en-US"/>
-              <a:t>4/17/2022</a:t>
+              <a:t>4/19/2022</a:t>
             </a:fld>
             <a:endParaRPr/>
           </a:p>
@@ -3593,7 +3593,7 @@
           <a:p>
             <a:fld id="{F0DFD029-FB74-4578-B929-F66AA97659CA}" type="datetimeFigureOut">
               <a:rPr lang="en-US"/>
-              <a:t>4/17/2022</a:t>
+              <a:t>4/19/2022</a:t>
             </a:fld>
             <a:endParaRPr/>
           </a:p>
@@ -3700,7 +3700,7 @@
           <a:p>
             <a:fld id="{F0DFD029-FB74-4578-B929-F66AA97659CA}" type="datetimeFigureOut">
               <a:rPr lang="en-US"/>
-              <a:t>4/17/2022</a:t>
+              <a:t>4/19/2022</a:t>
             </a:fld>
             <a:endParaRPr/>
           </a:p>
@@ -3999,7 +3999,7 @@
           <a:p>
             <a:fld id="{F0DFD029-FB74-4578-B929-F66AA97659CA}" type="datetimeFigureOut">
               <a:rPr lang="en-US"/>
-              <a:t>4/17/2022</a:t>
+              <a:t>4/19/2022</a:t>
             </a:fld>
             <a:endParaRPr/>
           </a:p>
@@ -4287,7 +4287,7 @@
           <a:p>
             <a:fld id="{F0DFD029-FB74-4578-B929-F66AA97659CA}" type="datetimeFigureOut">
               <a:rPr lang="en-US"/>
-              <a:t>4/17/2022</a:t>
+              <a:t>4/19/2022</a:t>
             </a:fld>
             <a:endParaRPr/>
           </a:p>
@@ -4910,7 +4910,7 @@
             <a:fld id="{F0DFD029-FB74-4578-B929-F66AA97659CA}" type="datetimeFigureOut">
               <a:rPr lang="en-US"/>
               <a:pPr/>
-              <a:t>4/17/2022</a:t>
+              <a:t>4/19/2022</a:t>
             </a:fld>
             <a:endParaRPr/>
           </a:p>
@@ -6464,54 +6464,65 @@
         </p:nvSpPr>
         <p:spPr>
           <a:xfrm>
-            <a:off x="6502432" y="1898374"/>
-            <a:ext cx="1727305" cy="4465320"/>
+            <a:off x="5637212" y="1498600"/>
+            <a:ext cx="2259436" cy="4465320"/>
           </a:xfrm>
         </p:spPr>
         <p:txBody>
-          <a:bodyPr/>
+          <a:bodyPr>
+            <a:normAutofit fontScale="92500" lnSpcReduction="10000"/>
+          </a:bodyPr>
           <a:lstStyle/>
           <a:p>
             <a:r>
-              <a:rPr lang="en-US" dirty="0"/>
-              <a:t>SKY</a:t>
-            </a:r>
-          </a:p>
-          <a:p>
-            <a:r>
-              <a:rPr lang="en-US" dirty="0"/>
-              <a:t>MOON</a:t>
-            </a:r>
-          </a:p>
-          <a:p>
-            <a:r>
-              <a:rPr lang="en-US" dirty="0"/>
-              <a:t>SUN</a:t>
-            </a:r>
-          </a:p>
-          <a:p>
-            <a:r>
-              <a:rPr lang="en-US" dirty="0"/>
-              <a:t>CLOUD</a:t>
-            </a:r>
-          </a:p>
-          <a:p>
-            <a:r>
-              <a:rPr lang="en-US" dirty="0"/>
-              <a:t>STARS</a:t>
-            </a:r>
-          </a:p>
-          <a:p>
-            <a:r>
-              <a:rPr lang="en-US" dirty="0"/>
-              <a:t>OCEAN</a:t>
-            </a:r>
-          </a:p>
-          <a:p>
-            <a:r>
-              <a:rPr lang="en-US" dirty="0"/>
-              <a:t>BOAT</a:t>
-            </a:r>
+              <a:rPr lang="en-US" sz="3100" dirty="0"/>
+              <a:t>stars</a:t>
+            </a:r>
+          </a:p>
+          <a:p>
+            <a:r>
+              <a:rPr lang="en-US" sz="3100" dirty="0"/>
+              <a:t>moon</a:t>
+            </a:r>
+          </a:p>
+          <a:p>
+            <a:r>
+              <a:rPr lang="en-US" sz="3100" dirty="0"/>
+              <a:t>sun</a:t>
+            </a:r>
+          </a:p>
+          <a:p>
+            <a:r>
+              <a:rPr lang="en-US" sz="3100" dirty="0"/>
+              <a:t>road</a:t>
+            </a:r>
+          </a:p>
+          <a:p>
+            <a:r>
+              <a:rPr lang="en-US" sz="3100" dirty="0"/>
+              <a:t>beach</a:t>
+            </a:r>
+          </a:p>
+          <a:p>
+            <a:r>
+              <a:rPr lang="en-US" sz="3100" dirty="0"/>
+              <a:t>bench</a:t>
+            </a:r>
+          </a:p>
+          <a:p>
+            <a:r>
+              <a:rPr lang="en-US" sz="3100" dirty="0"/>
+              <a:t>cloud</a:t>
+            </a:r>
+          </a:p>
+          <a:p>
+            <a:r>
+              <a:rPr lang="en-US" sz="3100" dirty="0"/>
+              <a:t>Umbrella</a:t>
+            </a:r>
+          </a:p>
+          <a:p>
+            <a:endParaRPr lang="en-US" dirty="0"/>
           </a:p>
         </p:txBody>
       </p:sp>
@@ -6743,46 +6754,7 @@
             </a:lvl9pPr>
           </a:lstStyle>
           <a:p>
-            <a:r>
-              <a:rPr lang="en-US" dirty="0"/>
-              <a:t>HILL</a:t>
-            </a:r>
-          </a:p>
-          <a:p>
-            <a:r>
-              <a:rPr lang="en-US" dirty="0"/>
-              <a:t>KITE</a:t>
-            </a:r>
-          </a:p>
-          <a:p>
-            <a:r>
-              <a:rPr lang="en-US" dirty="0"/>
-              <a:t>SAND</a:t>
-            </a:r>
-          </a:p>
-          <a:p>
-            <a:r>
-              <a:rPr lang="en-US" dirty="0"/>
-              <a:t>BENCH</a:t>
-            </a:r>
-          </a:p>
-          <a:p>
-            <a:r>
-              <a:rPr lang="en-US" dirty="0"/>
-              <a:t>TREE</a:t>
-            </a:r>
-          </a:p>
-          <a:p>
-            <a:r>
-              <a:rPr lang="en-US" dirty="0"/>
-              <a:t>CRABS</a:t>
-            </a:r>
-          </a:p>
-          <a:p>
-            <a:r>
-              <a:rPr lang="en-US" dirty="0"/>
-              <a:t>TRUCK</a:t>
-            </a:r>
+            <a:endParaRPr lang="en-US" dirty="0"/>
           </a:p>
         </p:txBody>
       </p:sp>
@@ -6802,7 +6774,7 @@
         </p:nvSpPr>
         <p:spPr>
           <a:xfrm>
-            <a:off x="3429137" y="1905000"/>
+            <a:off x="1218883" y="1828800"/>
             <a:ext cx="3073295" cy="4465320"/>
           </a:xfrm>
           <a:prstGeom prst="rect">
@@ -7015,38 +6987,44 @@
           </a:lstStyle>
           <a:p>
             <a:r>
-              <a:rPr lang="en-US" dirty="0"/>
-              <a:t>SHIP</a:t>
-            </a:r>
-          </a:p>
-          <a:p>
-            <a:r>
-              <a:rPr lang="en-US" dirty="0"/>
-              <a:t>PLANE</a:t>
-            </a:r>
-          </a:p>
-          <a:p>
-            <a:r>
-              <a:rPr lang="en-US" dirty="0"/>
-              <a:t>LIGHT HOUSE</a:t>
-            </a:r>
-          </a:p>
-          <a:p>
-            <a:r>
-              <a:rPr lang="en-US" dirty="0"/>
-              <a:t>WATCH TOWER</a:t>
-            </a:r>
-          </a:p>
-          <a:p>
-            <a:r>
-              <a:rPr lang="en-US" dirty="0"/>
-              <a:t>HOTEL</a:t>
-            </a:r>
-          </a:p>
-          <a:p>
-            <a:r>
-              <a:rPr lang="en-US" dirty="0"/>
-              <a:t>TOWER</a:t>
+              <a:rPr lang="en-US" sz="2400" dirty="0"/>
+              <a:t>cargo ship</a:t>
+            </a:r>
+          </a:p>
+          <a:p>
+            <a:r>
+              <a:rPr lang="en-US" sz="2400" dirty="0"/>
+              <a:t>flagship</a:t>
+            </a:r>
+          </a:p>
+          <a:p>
+            <a:r>
+              <a:rPr lang="en-US" sz="2400" dirty="0"/>
+              <a:t>tree</a:t>
+            </a:r>
+          </a:p>
+          <a:p>
+            <a:r>
+              <a:rPr lang="en-US" sz="2400" dirty="0"/>
+              <a:t>containerTrack</a:t>
+            </a:r>
+          </a:p>
+          <a:p>
+            <a:r>
+              <a:rPr lang="en-US" sz="2400" dirty="0"/>
+              <a:t>Lighthouse</a:t>
+            </a:r>
+          </a:p>
+          <a:p>
+            <a:r>
+              <a:rPr lang="en-US" sz="2400" dirty="0"/>
+              <a:t>mountain</a:t>
+            </a:r>
+          </a:p>
+          <a:p>
+            <a:r>
+              <a:rPr lang="en-US" sz="2400" dirty="0"/>
+              <a:t>watchTower</a:t>
             </a:r>
           </a:p>
           <a:p>
@@ -7137,10 +7115,10 @@
       </p:sp>
       <p:pic>
         <p:nvPicPr>
-          <p:cNvPr id="3" name="Picture 2">
+          <p:cNvPr id="4" name="Picture 3">
             <a:extLst>
               <a:ext uri="{FF2B5EF4-FFF2-40B4-BE49-F238E27FC236}">
-                <a16:creationId xmlns:a16="http://schemas.microsoft.com/office/drawing/2014/main" id="{8720E408-31AA-49D7-9C8B-69F9854220D1}"/>
+                <a16:creationId xmlns:a16="http://schemas.microsoft.com/office/drawing/2014/main" id="{5E3AC439-E3CE-49B5-AF28-D6834AE286E6}"/>
               </a:ext>
             </a:extLst>
           </p:cNvPr>
@@ -7150,15 +7128,21 @@
           <p:nvPr/>
         </p:nvPicPr>
         <p:blipFill>
-          <a:blip r:embed="rId3"/>
+          <a:blip r:embed="rId3">
+            <a:extLst>
+              <a:ext uri="{28A0092B-C50C-407E-A947-70E740481C1C}">
+                <a14:useLocalDpi xmlns:a14="http://schemas.microsoft.com/office/drawing/2010/main" val="0"/>
+              </a:ext>
+            </a:extLst>
+          </a:blip>
           <a:stretch>
             <a:fillRect/>
           </a:stretch>
         </p:blipFill>
         <p:spPr>
           <a:xfrm>
-            <a:off x="1983801" y="1600199"/>
-            <a:ext cx="8221222" cy="4983164"/>
+            <a:off x="1370012" y="1447800"/>
+            <a:ext cx="9144000" cy="5271195"/>
           </a:xfrm>
           <a:prstGeom prst="rect">
             <a:avLst/>
@@ -7245,10 +7229,10 @@
       </p:sp>
       <p:pic>
         <p:nvPicPr>
-          <p:cNvPr id="6" name="Picture 5">
+          <p:cNvPr id="4" name="Picture 3">
             <a:extLst>
               <a:ext uri="{FF2B5EF4-FFF2-40B4-BE49-F238E27FC236}">
-                <a16:creationId xmlns:a16="http://schemas.microsoft.com/office/drawing/2014/main" id="{B9145D19-1951-4CBD-B4C9-053308799C38}"/>
+                <a16:creationId xmlns:a16="http://schemas.microsoft.com/office/drawing/2014/main" id="{500A96BF-C661-4B6E-B237-199BDC734454}"/>
               </a:ext>
             </a:extLst>
           </p:cNvPr>
@@ -7258,15 +7242,21 @@
           <p:nvPr/>
         </p:nvPicPr>
         <p:blipFill>
-          <a:blip r:embed="rId2"/>
+          <a:blip r:embed="rId2">
+            <a:extLst>
+              <a:ext uri="{28A0092B-C50C-407E-A947-70E740481C1C}">
+                <a14:useLocalDpi xmlns:a14="http://schemas.microsoft.com/office/drawing/2010/main" val="0"/>
+              </a:ext>
+            </a:extLst>
+          </a:blip>
           <a:stretch>
             <a:fillRect/>
           </a:stretch>
         </p:blipFill>
         <p:spPr>
           <a:xfrm>
-            <a:off x="1974275" y="1600199"/>
-            <a:ext cx="8387337" cy="4983163"/>
+            <a:off x="1245258" y="1498600"/>
+            <a:ext cx="9294813" cy="5228332"/>
           </a:xfrm>
           <a:prstGeom prst="rect">
             <a:avLst/>
@@ -7353,10 +7343,10 @@
       </p:sp>
       <p:pic>
         <p:nvPicPr>
-          <p:cNvPr id="6" name="Picture 5">
+          <p:cNvPr id="4" name="Picture 3">
             <a:extLst>
               <a:ext uri="{FF2B5EF4-FFF2-40B4-BE49-F238E27FC236}">
-                <a16:creationId xmlns:a16="http://schemas.microsoft.com/office/drawing/2014/main" id="{2DA40D28-1786-47F2-BBD6-F0B509F129A5}"/>
+                <a16:creationId xmlns:a16="http://schemas.microsoft.com/office/drawing/2014/main" id="{4B9446A3-5400-4D28-A376-86D984251CED}"/>
               </a:ext>
             </a:extLst>
           </p:cNvPr>
@@ -7366,15 +7356,21 @@
           <p:nvPr/>
         </p:nvPicPr>
         <p:blipFill>
-          <a:blip r:embed="rId2"/>
+          <a:blip r:embed="rId2">
+            <a:extLst>
+              <a:ext uri="{28A0092B-C50C-407E-A947-70E740481C1C}">
+                <a14:useLocalDpi xmlns:a14="http://schemas.microsoft.com/office/drawing/2010/main" val="0"/>
+              </a:ext>
+            </a:extLst>
+          </a:blip>
           <a:stretch>
             <a:fillRect/>
           </a:stretch>
         </p:blipFill>
         <p:spPr>
           <a:xfrm>
-            <a:off x="1979612" y="1498599"/>
-            <a:ext cx="8229600" cy="4930775"/>
+            <a:off x="1370012" y="1498600"/>
+            <a:ext cx="9218613" cy="5185470"/>
           </a:xfrm>
           <a:prstGeom prst="rect">
             <a:avLst/>
@@ -7461,10 +7457,10 @@
       </p:sp>
       <p:pic>
         <p:nvPicPr>
-          <p:cNvPr id="6" name="Picture 5">
+          <p:cNvPr id="4" name="Picture 3">
             <a:extLst>
               <a:ext uri="{FF2B5EF4-FFF2-40B4-BE49-F238E27FC236}">
-                <a16:creationId xmlns:a16="http://schemas.microsoft.com/office/drawing/2014/main" id="{80C59296-DC96-4FD9-8865-F9F8F0A560AD}"/>
+                <a16:creationId xmlns:a16="http://schemas.microsoft.com/office/drawing/2014/main" id="{FD23AB14-7930-4017-AD8F-CB773A3FF586}"/>
               </a:ext>
             </a:extLst>
           </p:cNvPr>
@@ -7474,15 +7470,21 @@
           <p:nvPr/>
         </p:nvPicPr>
         <p:blipFill>
-          <a:blip r:embed="rId2"/>
+          <a:blip r:embed="rId2">
+            <a:extLst>
+              <a:ext uri="{28A0092B-C50C-407E-A947-70E740481C1C}">
+                <a14:useLocalDpi xmlns:a14="http://schemas.microsoft.com/office/drawing/2010/main" val="0"/>
+              </a:ext>
+            </a:extLst>
+          </a:blip>
           <a:stretch>
             <a:fillRect/>
           </a:stretch>
         </p:blipFill>
         <p:spPr>
           <a:xfrm>
-            <a:off x="1974850" y="1498599"/>
-            <a:ext cx="8239125" cy="4911725"/>
+            <a:off x="1370012" y="1498600"/>
+            <a:ext cx="9218613" cy="5185470"/>
           </a:xfrm>
           <a:prstGeom prst="rect">
             <a:avLst/>
@@ -8536,15 +8538,6 @@
 </file>
 
 <file path=customXml/item1.xml><?xml version="1.0" encoding="utf-8"?>
-<?mso-contentType ?>
-<FormTemplates xmlns="http://schemas.microsoft.com/sharepoint/v3/contenttype/forms">
-  <Display>DocumentLibraryForm</Display>
-  <Edit>AssetEditForm</Edit>
-  <New>DocumentLibraryForm</New>
-</FormTemplates>
-</file>
-
-<file path=customXml/item2.xml><?xml version="1.0" encoding="utf-8"?>
 <p:properties xmlns:p="http://schemas.microsoft.com/office/2006/metadata/properties" xmlns:xsi="http://www.w3.org/2001/XMLSchema-instance" xmlns:pc="http://schemas.microsoft.com/office/infopath/2007/PartnerControls">
   <documentManagement>
     <LocPublishedLinkedAssetsLookup xmlns="4873beb7-5857-4685-be1f-d57550cc96cc" xsi:nil="true"/>
@@ -8680,7 +8673,7 @@
 </p:properties>
 </file>
 
-<file path=customXml/item3.xml><?xml version="1.0" encoding="utf-8"?>
+<file path=customXml/item2.xml><?xml version="1.0" encoding="utf-8"?>
 <ct:contentTypeSchema xmlns:ct="http://schemas.microsoft.com/office/2006/metadata/contentType" xmlns:ma="http://schemas.microsoft.com/office/2006/metadata/properties/metaAttributes" ct:_="" ma:_="" ma:contentTypeName="TemplateFile" ma:contentTypeID="0x0101006EDDDB5EE6D98C44930B742096920B300400F5B6D36B3EF94B4E9A635CDF2A18F5B8" ma:contentTypeVersion="72" ma:contentTypeDescription="Create a new document." ma:contentTypeScope="" ma:versionID="a23e56308344d904b51738559c3d67c9">
   <xsd:schema xmlns:xsd="http://www.w3.org/2001/XMLSchema" xmlns:xs="http://www.w3.org/2001/XMLSchema" xmlns:p="http://schemas.microsoft.com/office/2006/metadata/properties" xmlns:ns2="4873beb7-5857-4685-be1f-d57550cc96cc" targetNamespace="http://schemas.microsoft.com/office/2006/metadata/properties" ma:root="true" ma:fieldsID="cd0908cc4600e77bf5da051303e00c8d" ns2:_="">
     <xsd:import namespace="4873beb7-5857-4685-be1f-d57550cc96cc"/>
@@ -9720,31 +9713,32 @@
 </ct:contentTypeSchema>
 </file>
 
+<file path=customXml/item3.xml><?xml version="1.0" encoding="utf-8"?>
+<?mso-contentType ?>
+<FormTemplates xmlns="http://schemas.microsoft.com/sharepoint/v3/contenttype/forms">
+  <Display>DocumentLibraryForm</Display>
+  <Edit>AssetEditForm</Edit>
+  <New>DocumentLibraryForm</New>
+</FormTemplates>
+</file>
+
 <file path=customXml/itemProps1.xml><?xml version="1.0" encoding="utf-8"?>
-<ds:datastoreItem xmlns:ds="http://schemas.openxmlformats.org/officeDocument/2006/customXml" ds:itemID="{3836F65B-1B07-41EE-A0E8-BC6EF3855225}">
+<ds:datastoreItem xmlns:ds="http://schemas.openxmlformats.org/officeDocument/2006/customXml" ds:itemID="{60C67BEE-D13F-4BD2-98A5-34D8A0977F68}">
   <ds:schemaRefs>
-    <ds:schemaRef ds:uri="http://schemas.microsoft.com/sharepoint/v3/contenttype/forms"/>
+    <ds:schemaRef ds:uri="http://schemas.microsoft.com/office/2006/documentManagement/types"/>
+    <ds:schemaRef ds:uri="http://purl.org/dc/terms/"/>
+    <ds:schemaRef ds:uri="http://purl.org/dc/dcmitype/"/>
+    <ds:schemaRef ds:uri="http://www.w3.org/XML/1998/namespace"/>
+    <ds:schemaRef ds:uri="http://purl.org/dc/elements/1.1/"/>
+    <ds:schemaRef ds:uri="http://schemas.microsoft.com/office/infopath/2007/PartnerControls"/>
+    <ds:schemaRef ds:uri="http://schemas.openxmlformats.org/package/2006/metadata/core-properties"/>
+    <ds:schemaRef ds:uri="4873beb7-5857-4685-be1f-d57550cc96cc"/>
+    <ds:schemaRef ds:uri="http://schemas.microsoft.com/office/2006/metadata/properties"/>
   </ds:schemaRefs>
 </ds:datastoreItem>
 </file>
 
 <file path=customXml/itemProps2.xml><?xml version="1.0" encoding="utf-8"?>
-<ds:datastoreItem xmlns:ds="http://schemas.openxmlformats.org/officeDocument/2006/customXml" ds:itemID="{60C67BEE-D13F-4BD2-98A5-34D8A0977F68}">
-  <ds:schemaRefs>
-    <ds:schemaRef ds:uri="4873beb7-5857-4685-be1f-d57550cc96cc"/>
-    <ds:schemaRef ds:uri="http://purl.org/dc/terms/"/>
-    <ds:schemaRef ds:uri="http://schemas.microsoft.com/office/2006/metadata/properties"/>
-    <ds:schemaRef ds:uri="http://purl.org/dc/elements/1.1/"/>
-    <ds:schemaRef ds:uri="http://schemas.microsoft.com/office/2006/documentManagement/types"/>
-    <ds:schemaRef ds:uri="http://www.w3.org/XML/1998/namespace"/>
-    <ds:schemaRef ds:uri="http://purl.org/dc/dcmitype/"/>
-    <ds:schemaRef ds:uri="http://schemas.microsoft.com/office/infopath/2007/PartnerControls"/>
-    <ds:schemaRef ds:uri="http://schemas.openxmlformats.org/package/2006/metadata/core-properties"/>
-  </ds:schemaRefs>
-</ds:datastoreItem>
-</file>
-
-<file path=customXml/itemProps3.xml><?xml version="1.0" encoding="utf-8"?>
 <ds:datastoreItem xmlns:ds="http://schemas.openxmlformats.org/officeDocument/2006/customXml" ds:itemID="{A09BF4D4-EF60-4196-BFC3-9462D607978C}">
   <ds:schemaRefs>
     <ds:schemaRef ds:uri="http://schemas.microsoft.com/office/2006/metadata/contentType"/>
@@ -9760,4 +9754,12 @@
     <ds:schemaRef ds:uri="http://schemas.microsoft.com/internal/obd"/>
   </ds:schemaRefs>
 </ds:datastoreItem>
+</file>
+
+<file path=customXml/itemProps3.xml><?xml version="1.0" encoding="utf-8"?>
+<ds:datastoreItem xmlns:ds="http://schemas.openxmlformats.org/officeDocument/2006/customXml" ds:itemID="{3836F65B-1B07-41EE-A0E8-BC6EF3855225}">
+  <ds:schemaRefs>
+    <ds:schemaRef ds:uri="http://schemas.microsoft.com/sharepoint/v3/contenttype/forms"/>
+  </ds:schemaRefs>
+</ds:datastoreItem>
 </file>